--- a/GIT training.pptx
+++ b/GIT training.pptx
@@ -3241,7 +3241,11 @@
           <a:bodyPr/>
           <a:lstStyle/>
           <a:p>
-            <a:endParaRPr lang="en-US"/>
+            <a:r>
+              <a:rPr lang="en-US" dirty="0" smtClean="0"/>
+              <a:t>Important URLs</a:t>
+            </a:r>
+            <a:endParaRPr lang="en-US" dirty="0"/>
           </a:p>
         </p:txBody>
       </p:sp>
@@ -3258,7 +3262,7 @@
         <p:spPr/>
         <p:txBody>
           <a:bodyPr>
-            <a:normAutofit fontScale="92500"/>
+            <a:normAutofit fontScale="92500" lnSpcReduction="10000"/>
           </a:bodyPr>
           <a:lstStyle/>
           <a:p>
@@ -3280,35 +3284,16 @@
           </a:p>
           <a:p>
             <a:r>
-              <a:rPr lang="en-US" dirty="0" smtClean="0"/>
-              <a:t>Click on </a:t>
-            </a:r>
-            <a:r>
-              <a:rPr lang="en-US" dirty="0" err="1" smtClean="0"/>
-              <a:t>git</a:t>
-            </a:r>
-            <a:r>
-              <a:rPr lang="en-US" dirty="0" smtClean="0"/>
-              <a:t> bash icon.</a:t>
-            </a:r>
-          </a:p>
-          <a:p>
-            <a:pPr lvl="1"/>
-            <a:r>
-              <a:rPr lang="en-US" dirty="0" err="1" smtClean="0"/>
-              <a:t>mkdir</a:t>
-            </a:r>
-            <a:r>
-              <a:rPr lang="en-US" dirty="0" smtClean="0"/>
-              <a:t>  </a:t>
-            </a:r>
-          </a:p>
-          <a:p>
-            <a:r>
               <a:rPr lang="en-US" dirty="0" smtClean="0">
                 <a:hlinkClick r:id="rId3"/>
               </a:rPr>
-              <a:t>http://stash.ds.adp.com/scm/ipns/adminscripts.git</a:t>
+              <a:t>http</a:t>
+            </a:r>
+            <a:r>
+              <a:rPr lang="en-US" dirty="0" smtClean="0">
+                <a:hlinkClick r:id="rId3"/>
+              </a:rPr>
+              <a:t>://stash.ds.adp.com/scm/ipns/adminscripts.git</a:t>
             </a:r>
             <a:endParaRPr lang="en-US" dirty="0" smtClean="0"/>
           </a:p>
@@ -3330,6 +3315,27 @@
               <a:rPr lang="en-US" dirty="0" smtClean="0"/>
               <a:t> </a:t>
             </a:r>
+          </a:p>
+          <a:p>
+            <a:r>
+              <a:rPr lang="en-US" dirty="0" smtClean="0">
+                <a:hlinkClick r:id="rId5"/>
+              </a:rPr>
+              <a:t>http://git-scm.com/downloads/win</a:t>
+            </a:r>
+            <a:r>
+              <a:rPr lang="en-US" dirty="0" smtClean="0"/>
+              <a:t> </a:t>
+            </a:r>
+          </a:p>
+          <a:p>
+            <a:r>
+              <a:rPr lang="en-US" dirty="0" smtClean="0">
+                <a:hlinkClick r:id="rId6"/>
+              </a:rPr>
+              <a:t>http://git-scm.com/downloads/mac</a:t>
+            </a:r>
+            <a:endParaRPr lang="en-US" dirty="0" smtClean="0"/>
           </a:p>
           <a:p>
             <a:endParaRPr lang="en-US" dirty="0"/>
